--- a/Unit 2.pptx
+++ b/Unit 2.pptx
@@ -22,13 +22,17 @@
     <p:sldId id="263" r:id="rId16"/>
     <p:sldId id="264" r:id="rId17"/>
     <p:sldId id="279" r:id="rId18"/>
-    <p:sldId id="269" r:id="rId19"/>
-    <p:sldId id="271" r:id="rId20"/>
-    <p:sldId id="272" r:id="rId21"/>
-    <p:sldId id="275" r:id="rId22"/>
-    <p:sldId id="273" r:id="rId23"/>
-    <p:sldId id="274" r:id="rId24"/>
-    <p:sldId id="270" r:id="rId25"/>
+    <p:sldId id="281" r:id="rId19"/>
+    <p:sldId id="282" r:id="rId20"/>
+    <p:sldId id="269" r:id="rId21"/>
+    <p:sldId id="271" r:id="rId22"/>
+    <p:sldId id="272" r:id="rId23"/>
+    <p:sldId id="275" r:id="rId24"/>
+    <p:sldId id="273" r:id="rId25"/>
+    <p:sldId id="274" r:id="rId26"/>
+    <p:sldId id="270" r:id="rId27"/>
+    <p:sldId id="280" r:id="rId28"/>
+    <p:sldId id="283" r:id="rId29"/>
   </p:sldIdLst>
   <p:sldSz cx="9144000" cy="6858000" type="screen4x3"/>
   <p:notesSz cx="6858000" cy="9144000"/>
@@ -311,7 +315,8 @@
           <a:p>
             <a:fld id="{19BE15EC-014F-43F8-9C20-76C6BDB5BE70}" type="datetimeFigureOut">
               <a:rPr lang="en-US" smtClean="0"/>
-              <a:t>8/3/2023</a:t>
+              <a:pPr/>
+              <a:t>8/5/2023</a:t>
             </a:fld>
             <a:endParaRPr lang="en-US"/>
           </a:p>
@@ -353,6 +358,7 @@
           <a:p>
             <a:fld id="{FD9E673D-C8AC-4309-8FDB-0B7017CDBF1D}" type="slidenum">
               <a:rPr lang="en-US" smtClean="0"/>
+              <a:pPr/>
               <a:t>‹#›</a:t>
             </a:fld>
             <a:endParaRPr lang="en-US"/>
@@ -476,7 +482,8 @@
           <a:p>
             <a:fld id="{19BE15EC-014F-43F8-9C20-76C6BDB5BE70}" type="datetimeFigureOut">
               <a:rPr lang="en-US" smtClean="0"/>
-              <a:t>8/3/2023</a:t>
+              <a:pPr/>
+              <a:t>8/5/2023</a:t>
             </a:fld>
             <a:endParaRPr lang="en-US"/>
           </a:p>
@@ -518,6 +525,7 @@
           <a:p>
             <a:fld id="{FD9E673D-C8AC-4309-8FDB-0B7017CDBF1D}" type="slidenum">
               <a:rPr lang="en-US" smtClean="0"/>
+              <a:pPr/>
               <a:t>‹#›</a:t>
             </a:fld>
             <a:endParaRPr lang="en-US"/>
@@ -651,7 +659,8 @@
           <a:p>
             <a:fld id="{19BE15EC-014F-43F8-9C20-76C6BDB5BE70}" type="datetimeFigureOut">
               <a:rPr lang="en-US" smtClean="0"/>
-              <a:t>8/3/2023</a:t>
+              <a:pPr/>
+              <a:t>8/5/2023</a:t>
             </a:fld>
             <a:endParaRPr lang="en-US"/>
           </a:p>
@@ -693,6 +702,7 @@
           <a:p>
             <a:fld id="{FD9E673D-C8AC-4309-8FDB-0B7017CDBF1D}" type="slidenum">
               <a:rPr lang="en-US" smtClean="0"/>
+              <a:pPr/>
               <a:t>‹#›</a:t>
             </a:fld>
             <a:endParaRPr lang="en-US"/>
@@ -816,7 +826,8 @@
           <a:p>
             <a:fld id="{19BE15EC-014F-43F8-9C20-76C6BDB5BE70}" type="datetimeFigureOut">
               <a:rPr lang="en-US" smtClean="0"/>
-              <a:t>8/3/2023</a:t>
+              <a:pPr/>
+              <a:t>8/5/2023</a:t>
             </a:fld>
             <a:endParaRPr lang="en-US"/>
           </a:p>
@@ -858,6 +869,7 @@
           <a:p>
             <a:fld id="{FD9E673D-C8AC-4309-8FDB-0B7017CDBF1D}" type="slidenum">
               <a:rPr lang="en-US" smtClean="0"/>
+              <a:pPr/>
               <a:t>‹#›</a:t>
             </a:fld>
             <a:endParaRPr lang="en-US"/>
@@ -1057,7 +1069,8 @@
           <a:p>
             <a:fld id="{19BE15EC-014F-43F8-9C20-76C6BDB5BE70}" type="datetimeFigureOut">
               <a:rPr lang="en-US" smtClean="0"/>
-              <a:t>8/3/2023</a:t>
+              <a:pPr/>
+              <a:t>8/5/2023</a:t>
             </a:fld>
             <a:endParaRPr lang="en-US"/>
           </a:p>
@@ -1099,6 +1112,7 @@
           <a:p>
             <a:fld id="{FD9E673D-C8AC-4309-8FDB-0B7017CDBF1D}" type="slidenum">
               <a:rPr lang="en-US" smtClean="0"/>
+              <a:pPr/>
               <a:t>‹#›</a:t>
             </a:fld>
             <a:endParaRPr lang="en-US"/>
@@ -1340,7 +1354,8 @@
           <a:p>
             <a:fld id="{19BE15EC-014F-43F8-9C20-76C6BDB5BE70}" type="datetimeFigureOut">
               <a:rPr lang="en-US" smtClean="0"/>
-              <a:t>8/3/2023</a:t>
+              <a:pPr/>
+              <a:t>8/5/2023</a:t>
             </a:fld>
             <a:endParaRPr lang="en-US"/>
           </a:p>
@@ -1382,6 +1397,7 @@
           <a:p>
             <a:fld id="{FD9E673D-C8AC-4309-8FDB-0B7017CDBF1D}" type="slidenum">
               <a:rPr lang="en-US" smtClean="0"/>
+              <a:pPr/>
               <a:t>‹#›</a:t>
             </a:fld>
             <a:endParaRPr lang="en-US"/>
@@ -1757,7 +1773,8 @@
           <a:p>
             <a:fld id="{19BE15EC-014F-43F8-9C20-76C6BDB5BE70}" type="datetimeFigureOut">
               <a:rPr lang="en-US" smtClean="0"/>
-              <a:t>8/3/2023</a:t>
+              <a:pPr/>
+              <a:t>8/5/2023</a:t>
             </a:fld>
             <a:endParaRPr lang="en-US"/>
           </a:p>
@@ -1799,6 +1816,7 @@
           <a:p>
             <a:fld id="{FD9E673D-C8AC-4309-8FDB-0B7017CDBF1D}" type="slidenum">
               <a:rPr lang="en-US" smtClean="0"/>
+              <a:pPr/>
               <a:t>‹#›</a:t>
             </a:fld>
             <a:endParaRPr lang="en-US"/>
@@ -1870,7 +1888,8 @@
           <a:p>
             <a:fld id="{19BE15EC-014F-43F8-9C20-76C6BDB5BE70}" type="datetimeFigureOut">
               <a:rPr lang="en-US" smtClean="0"/>
-              <a:t>8/3/2023</a:t>
+              <a:pPr/>
+              <a:t>8/5/2023</a:t>
             </a:fld>
             <a:endParaRPr lang="en-US"/>
           </a:p>
@@ -1912,6 +1931,7 @@
           <a:p>
             <a:fld id="{FD9E673D-C8AC-4309-8FDB-0B7017CDBF1D}" type="slidenum">
               <a:rPr lang="en-US" smtClean="0"/>
+              <a:pPr/>
               <a:t>‹#›</a:t>
             </a:fld>
             <a:endParaRPr lang="en-US"/>
@@ -1960,7 +1980,8 @@
           <a:p>
             <a:fld id="{19BE15EC-014F-43F8-9C20-76C6BDB5BE70}" type="datetimeFigureOut">
               <a:rPr lang="en-US" smtClean="0"/>
-              <a:t>8/3/2023</a:t>
+              <a:pPr/>
+              <a:t>8/5/2023</a:t>
             </a:fld>
             <a:endParaRPr lang="en-US"/>
           </a:p>
@@ -2002,6 +2023,7 @@
           <a:p>
             <a:fld id="{FD9E673D-C8AC-4309-8FDB-0B7017CDBF1D}" type="slidenum">
               <a:rPr lang="en-US" smtClean="0"/>
+              <a:pPr/>
               <a:t>‹#›</a:t>
             </a:fld>
             <a:endParaRPr lang="en-US"/>
@@ -2232,7 +2254,8 @@
           <a:p>
             <a:fld id="{19BE15EC-014F-43F8-9C20-76C6BDB5BE70}" type="datetimeFigureOut">
               <a:rPr lang="en-US" smtClean="0"/>
-              <a:t>8/3/2023</a:t>
+              <a:pPr/>
+              <a:t>8/5/2023</a:t>
             </a:fld>
             <a:endParaRPr lang="en-US"/>
           </a:p>
@@ -2274,6 +2297,7 @@
           <a:p>
             <a:fld id="{FD9E673D-C8AC-4309-8FDB-0B7017CDBF1D}" type="slidenum">
               <a:rPr lang="en-US" smtClean="0"/>
+              <a:pPr/>
               <a:t>‹#›</a:t>
             </a:fld>
             <a:endParaRPr lang="en-US"/>
@@ -2480,7 +2504,8 @@
           <a:p>
             <a:fld id="{19BE15EC-014F-43F8-9C20-76C6BDB5BE70}" type="datetimeFigureOut">
               <a:rPr lang="en-US" smtClean="0"/>
-              <a:t>8/3/2023</a:t>
+              <a:pPr/>
+              <a:t>8/5/2023</a:t>
             </a:fld>
             <a:endParaRPr lang="en-US"/>
           </a:p>
@@ -2522,6 +2547,7 @@
           <a:p>
             <a:fld id="{FD9E673D-C8AC-4309-8FDB-0B7017CDBF1D}" type="slidenum">
               <a:rPr lang="en-US" smtClean="0"/>
+              <a:pPr/>
               <a:t>‹#›</a:t>
             </a:fld>
             <a:endParaRPr lang="en-US"/>
@@ -2688,7 +2714,8 @@
           <a:p>
             <a:fld id="{19BE15EC-014F-43F8-9C20-76C6BDB5BE70}" type="datetimeFigureOut">
               <a:rPr lang="en-US" smtClean="0"/>
-              <a:t>8/3/2023</a:t>
+              <a:pPr/>
+              <a:t>8/5/2023</a:t>
             </a:fld>
             <a:endParaRPr lang="en-US"/>
           </a:p>
@@ -2766,6 +2793,7 @@
           <a:p>
             <a:fld id="{FD9E673D-C8AC-4309-8FDB-0B7017CDBF1D}" type="slidenum">
               <a:rPr lang="en-US" smtClean="0"/>
+              <a:pPr/>
               <a:t>‹#›</a:t>
             </a:fld>
             <a:endParaRPr lang="en-US"/>
@@ -4434,6 +4462,332 @@
           <a:lstStyle/>
           <a:p>
             <a:r>
+              <a:rPr lang="en-US" b="1" dirty="0" smtClean="0"/>
+              <a:t>Cross-validation</a:t>
+            </a:r>
+            <a:endParaRPr lang="en-US" b="1" dirty="0"/>
+          </a:p>
+        </p:txBody>
+      </p:sp>
+      <p:sp>
+        <p:nvSpPr>
+          <p:cNvPr id="3" name="Content Placeholder 2"/>
+          <p:cNvSpPr>
+            <a:spLocks noGrp="1"/>
+          </p:cNvSpPr>
+          <p:nvPr>
+            <p:ph idx="1"/>
+          </p:nvPr>
+        </p:nvSpPr>
+        <p:spPr/>
+        <p:txBody>
+          <a:bodyPr>
+            <a:normAutofit fontScale="85000" lnSpcReduction="20000"/>
+          </a:bodyPr>
+          <a:lstStyle/>
+          <a:p>
+            <a:r>
+              <a:rPr lang="en-US" dirty="0" smtClean="0"/>
+              <a:t>Cross-validation is a </a:t>
+            </a:r>
+            <a:r>
+              <a:rPr lang="en-US" dirty="0" err="1" smtClean="0"/>
+              <a:t>resampling</a:t>
+            </a:r>
+            <a:r>
+              <a:rPr lang="en-US" dirty="0" smtClean="0"/>
+              <a:t> procedure used to evaluate machine learning models on a limited data sample. </a:t>
+            </a:r>
+            <a:endParaRPr lang="en-US" dirty="0" smtClean="0"/>
+          </a:p>
+          <a:p>
+            <a:r>
+              <a:rPr lang="en-US" dirty="0" err="1" smtClean="0"/>
+              <a:t>Resampling</a:t>
+            </a:r>
+            <a:r>
+              <a:rPr lang="en-US" dirty="0" smtClean="0"/>
+              <a:t> is a series of techniques used in statistics to gather more information about a sample. This can include retaking a sample or estimating its accuracy. With these additional techniques, </a:t>
+            </a:r>
+            <a:r>
+              <a:rPr lang="en-US" dirty="0" err="1" smtClean="0"/>
+              <a:t>resampling</a:t>
+            </a:r>
+            <a:r>
+              <a:rPr lang="en-US" dirty="0" smtClean="0"/>
+              <a:t> often improves the overall accuracy and estimates any uncertainty within a population.</a:t>
+            </a:r>
+          </a:p>
+          <a:p>
+            <a:endParaRPr lang="en-US" dirty="0" smtClean="0"/>
+          </a:p>
+          <a:p>
+            <a:pPr>
+              <a:buNone/>
+            </a:pPr>
+            <a:r>
+              <a:rPr lang="en-US" dirty="0" smtClean="0"/>
+              <a:t/>
+            </a:r>
+            <a:br>
+              <a:rPr lang="en-US" dirty="0" smtClean="0"/>
+            </a:br>
+            <a:endParaRPr lang="en-US" dirty="0"/>
+          </a:p>
+        </p:txBody>
+      </p:sp>
+    </p:spTree>
+  </p:cSld>
+  <p:clrMapOvr>
+    <a:masterClrMapping/>
+  </p:clrMapOvr>
+</p:sld>
+</file>
+
+<file path=ppt/slides/slide19.xml><?xml version="1.0" encoding="utf-8"?>
+<p:sld xmlns:a="http://schemas.openxmlformats.org/drawingml/2006/main" xmlns:r="http://schemas.openxmlformats.org/officeDocument/2006/relationships" xmlns:p="http://schemas.openxmlformats.org/presentationml/2006/main">
+  <p:cSld>
+    <p:spTree>
+      <p:nvGrpSpPr>
+        <p:cNvPr id="1" name=""/>
+        <p:cNvGrpSpPr/>
+        <p:nvPr/>
+      </p:nvGrpSpPr>
+      <p:grpSpPr>
+        <a:xfrm>
+          <a:off x="0" y="0"/>
+          <a:ext cx="0" cy="0"/>
+          <a:chOff x="0" y="0"/>
+          <a:chExt cx="0" cy="0"/>
+        </a:xfrm>
+      </p:grpSpPr>
+      <p:sp>
+        <p:nvSpPr>
+          <p:cNvPr id="2" name="Title 1"/>
+          <p:cNvSpPr>
+            <a:spLocks noGrp="1"/>
+          </p:cNvSpPr>
+          <p:nvPr>
+            <p:ph type="title"/>
+          </p:nvPr>
+        </p:nvSpPr>
+        <p:spPr/>
+        <p:txBody>
+          <a:bodyPr/>
+          <a:lstStyle/>
+          <a:p>
+            <a:r>
+              <a:rPr lang="en-US" b="1" dirty="0" smtClean="0"/>
+              <a:t>Cross-validation</a:t>
+            </a:r>
+            <a:endParaRPr lang="en-US" b="1" dirty="0"/>
+          </a:p>
+        </p:txBody>
+      </p:sp>
+      <p:sp>
+        <p:nvSpPr>
+          <p:cNvPr id="3" name="Content Placeholder 2"/>
+          <p:cNvSpPr>
+            <a:spLocks noGrp="1"/>
+          </p:cNvSpPr>
+          <p:nvPr>
+            <p:ph idx="1"/>
+          </p:nvPr>
+        </p:nvSpPr>
+        <p:spPr/>
+        <p:txBody>
+          <a:bodyPr>
+            <a:normAutofit fontScale="92500" lnSpcReduction="20000"/>
+          </a:bodyPr>
+          <a:lstStyle/>
+          <a:p>
+            <a:r>
+              <a:rPr lang="en-US" dirty="0" smtClean="0"/>
+              <a:t>Cross-validation is a </a:t>
+            </a:r>
+            <a:r>
+              <a:rPr lang="en-US" dirty="0" err="1" smtClean="0"/>
+              <a:t>resampling</a:t>
+            </a:r>
+            <a:r>
+              <a:rPr lang="en-US" dirty="0" smtClean="0"/>
+              <a:t> procedure used to evaluate machine learning models on a limited data sample. </a:t>
+            </a:r>
+            <a:endParaRPr lang="en-US" dirty="0" smtClean="0"/>
+          </a:p>
+          <a:p>
+            <a:r>
+              <a:rPr lang="en-US" dirty="0" smtClean="0"/>
+              <a:t>The </a:t>
+            </a:r>
+            <a:r>
+              <a:rPr lang="en-US" dirty="0" smtClean="0"/>
+              <a:t>procedure has a single parameter called k that refers to the number of groups that a given data sample is to be split into. As such, the procedure is often called k-fold cross-validation.</a:t>
+            </a:r>
+            <a:r>
+              <a:rPr lang="en-IN" dirty="0" smtClean="0"/>
+              <a:t>23-May-2018</a:t>
+            </a:r>
+          </a:p>
+          <a:p>
+            <a:endParaRPr lang="en-US" dirty="0" smtClean="0"/>
+          </a:p>
+          <a:p>
+            <a:r>
+              <a:rPr lang="en-US" dirty="0" smtClean="0"/>
+              <a:t/>
+            </a:r>
+            <a:br>
+              <a:rPr lang="en-US" dirty="0" smtClean="0"/>
+            </a:br>
+            <a:endParaRPr lang="en-US" dirty="0"/>
+          </a:p>
+        </p:txBody>
+      </p:sp>
+    </p:spTree>
+  </p:cSld>
+  <p:clrMapOvr>
+    <a:masterClrMapping/>
+  </p:clrMapOvr>
+</p:sld>
+</file>
+
+<file path=ppt/slides/slide2.xml><?xml version="1.0" encoding="utf-8"?>
+<p:sld xmlns:a="http://schemas.openxmlformats.org/drawingml/2006/main" xmlns:r="http://schemas.openxmlformats.org/officeDocument/2006/relationships" xmlns:p="http://schemas.openxmlformats.org/presentationml/2006/main">
+  <p:cSld>
+    <p:spTree>
+      <p:nvGrpSpPr>
+        <p:cNvPr id="1" name=""/>
+        <p:cNvGrpSpPr/>
+        <p:nvPr/>
+      </p:nvGrpSpPr>
+      <p:grpSpPr>
+        <a:xfrm>
+          <a:off x="0" y="0"/>
+          <a:ext cx="0" cy="0"/>
+          <a:chOff x="0" y="0"/>
+          <a:chExt cx="0" cy="0"/>
+        </a:xfrm>
+      </p:grpSpPr>
+      <p:sp>
+        <p:nvSpPr>
+          <p:cNvPr id="2" name="Title 1"/>
+          <p:cNvSpPr>
+            <a:spLocks noGrp="1"/>
+          </p:cNvSpPr>
+          <p:nvPr>
+            <p:ph type="title"/>
+          </p:nvPr>
+        </p:nvSpPr>
+        <p:spPr/>
+        <p:txBody>
+          <a:bodyPr/>
+          <a:lstStyle/>
+          <a:p>
+            <a:r>
+              <a:rPr lang="en-US" dirty="0" smtClean="0"/>
+              <a:t>Machine Learning</a:t>
+            </a:r>
+            <a:endParaRPr lang="en-US" dirty="0"/>
+          </a:p>
+        </p:txBody>
+      </p:sp>
+      <p:sp>
+        <p:nvSpPr>
+          <p:cNvPr id="3" name="Content Placeholder 2"/>
+          <p:cNvSpPr>
+            <a:spLocks noGrp="1"/>
+          </p:cNvSpPr>
+          <p:nvPr>
+            <p:ph idx="1"/>
+          </p:nvPr>
+        </p:nvSpPr>
+        <p:spPr/>
+        <p:txBody>
+          <a:bodyPr>
+            <a:normAutofit fontScale="85000" lnSpcReduction="20000"/>
+          </a:bodyPr>
+          <a:lstStyle/>
+          <a:p>
+            <a:r>
+              <a:rPr lang="en-US" dirty="0" smtClean="0"/>
+              <a:t>Course Outcomes: At the end of this course, the student will be able to</a:t>
+            </a:r>
+          </a:p>
+          <a:p>
+            <a:r>
+              <a:rPr lang="en-US" dirty="0" smtClean="0"/>
+              <a:t>CO1: Identify the characteristics of machine learning.(Understand- L2) </a:t>
+            </a:r>
+          </a:p>
+          <a:p>
+            <a:r>
+              <a:rPr lang="en-US" dirty="0" smtClean="0"/>
+              <a:t>CO2: Understand the Model building and evaluation approaches.(Understand- L2)</a:t>
+            </a:r>
+          </a:p>
+          <a:p>
+            <a:r>
+              <a:rPr lang="en-US" dirty="0" smtClean="0"/>
+              <a:t> CO3: Apply regression algorithms for real-world Problems.(Apply- L3) </a:t>
+            </a:r>
+          </a:p>
+          <a:p>
+            <a:r>
+              <a:rPr lang="en-US" dirty="0" smtClean="0"/>
+              <a:t>CO4: Handle classification problems via supervised learning algorithms.(Apply- L3) </a:t>
+            </a:r>
+          </a:p>
+          <a:p>
+            <a:r>
+              <a:rPr lang="en-US" dirty="0" smtClean="0"/>
+              <a:t>CO5: Learn advanced learning techniques to deal with complex data.(Apply- L3)</a:t>
+            </a:r>
+            <a:endParaRPr lang="en-US" dirty="0"/>
+          </a:p>
+        </p:txBody>
+      </p:sp>
+    </p:spTree>
+  </p:cSld>
+  <p:clrMapOvr>
+    <a:masterClrMapping/>
+  </p:clrMapOvr>
+</p:sld>
+</file>
+
+<file path=ppt/slides/slide20.xml><?xml version="1.0" encoding="utf-8"?>
+<p:sld xmlns:a="http://schemas.openxmlformats.org/drawingml/2006/main" xmlns:r="http://schemas.openxmlformats.org/officeDocument/2006/relationships" xmlns:p="http://schemas.openxmlformats.org/presentationml/2006/main">
+  <p:cSld>
+    <p:spTree>
+      <p:nvGrpSpPr>
+        <p:cNvPr id="1" name=""/>
+        <p:cNvGrpSpPr/>
+        <p:nvPr/>
+      </p:nvGrpSpPr>
+      <p:grpSpPr>
+        <a:xfrm>
+          <a:off x="0" y="0"/>
+          <a:ext cx="0" cy="0"/>
+          <a:chOff x="0" y="0"/>
+          <a:chExt cx="0" cy="0"/>
+        </a:xfrm>
+      </p:grpSpPr>
+      <p:sp>
+        <p:nvSpPr>
+          <p:cNvPr id="2" name="Title 1"/>
+          <p:cNvSpPr>
+            <a:spLocks noGrp="1"/>
+          </p:cNvSpPr>
+          <p:nvPr>
+            <p:ph type="title"/>
+          </p:nvPr>
+        </p:nvSpPr>
+        <p:spPr/>
+        <p:txBody>
+          <a:bodyPr/>
+          <a:lstStyle/>
+          <a:p>
+            <a:r>
               <a:rPr lang="en-US" dirty="0" smtClean="0"/>
               <a:t>K Fold Cross Validation</a:t>
             </a:r>
@@ -4508,268 +4862,6 @@
 </p:sld>
 </file>
 
-<file path=ppt/slides/slide19.xml><?xml version="1.0" encoding="utf-8"?>
-<p:sld xmlns:a="http://schemas.openxmlformats.org/drawingml/2006/main" xmlns:r="http://schemas.openxmlformats.org/officeDocument/2006/relationships" xmlns:p="http://schemas.openxmlformats.org/presentationml/2006/main">
-  <p:cSld>
-    <p:spTree>
-      <p:nvGrpSpPr>
-        <p:cNvPr id="1" name=""/>
-        <p:cNvGrpSpPr/>
-        <p:nvPr/>
-      </p:nvGrpSpPr>
-      <p:grpSpPr>
-        <a:xfrm>
-          <a:off x="0" y="0"/>
-          <a:ext cx="0" cy="0"/>
-          <a:chOff x="0" y="0"/>
-          <a:chExt cx="0" cy="0"/>
-        </a:xfrm>
-      </p:grpSpPr>
-      <p:sp>
-        <p:nvSpPr>
-          <p:cNvPr id="2" name="Title 1"/>
-          <p:cNvSpPr>
-            <a:spLocks noGrp="1"/>
-          </p:cNvSpPr>
-          <p:nvPr>
-            <p:ph type="title"/>
-          </p:nvPr>
-        </p:nvSpPr>
-        <p:spPr/>
-        <p:txBody>
-          <a:bodyPr/>
-          <a:lstStyle/>
-          <a:p>
-            <a:endParaRPr lang="en-US"/>
-          </a:p>
-        </p:txBody>
-      </p:sp>
-      <p:sp>
-        <p:nvSpPr>
-          <p:cNvPr id="3" name="Content Placeholder 2"/>
-          <p:cNvSpPr>
-            <a:spLocks noGrp="1"/>
-          </p:cNvSpPr>
-          <p:nvPr>
-            <p:ph idx="1"/>
-          </p:nvPr>
-        </p:nvSpPr>
-        <p:spPr/>
-        <p:txBody>
-          <a:bodyPr/>
-          <a:lstStyle/>
-          <a:p>
-            <a:r>
-              <a:rPr lang="en-US" dirty="0" smtClean="0"/>
-              <a:t>. In k-fold cross-validation, the data set is divided into k-completely distinct or non-overlapping random partitions called folds. Figure 3.2 depicts an overall approach for k-fold cross-validation.</a:t>
-            </a:r>
-            <a:endParaRPr lang="en-US" dirty="0"/>
-          </a:p>
-        </p:txBody>
-      </p:sp>
-    </p:spTree>
-  </p:cSld>
-  <p:clrMapOvr>
-    <a:masterClrMapping/>
-  </p:clrMapOvr>
-  <p:timing>
-    <p:tnLst>
-      <p:par>
-        <p:cTn id="1" dur="indefinite" restart="never" nodeType="tmRoot"/>
-      </p:par>
-    </p:tnLst>
-  </p:timing>
-</p:sld>
-</file>
-
-<file path=ppt/slides/slide2.xml><?xml version="1.0" encoding="utf-8"?>
-<p:sld xmlns:a="http://schemas.openxmlformats.org/drawingml/2006/main" xmlns:r="http://schemas.openxmlformats.org/officeDocument/2006/relationships" xmlns:p="http://schemas.openxmlformats.org/presentationml/2006/main">
-  <p:cSld>
-    <p:spTree>
-      <p:nvGrpSpPr>
-        <p:cNvPr id="1" name=""/>
-        <p:cNvGrpSpPr/>
-        <p:nvPr/>
-      </p:nvGrpSpPr>
-      <p:grpSpPr>
-        <a:xfrm>
-          <a:off x="0" y="0"/>
-          <a:ext cx="0" cy="0"/>
-          <a:chOff x="0" y="0"/>
-          <a:chExt cx="0" cy="0"/>
-        </a:xfrm>
-      </p:grpSpPr>
-      <p:sp>
-        <p:nvSpPr>
-          <p:cNvPr id="2" name="Title 1"/>
-          <p:cNvSpPr>
-            <a:spLocks noGrp="1"/>
-          </p:cNvSpPr>
-          <p:nvPr>
-            <p:ph type="title"/>
-          </p:nvPr>
-        </p:nvSpPr>
-        <p:spPr/>
-        <p:txBody>
-          <a:bodyPr/>
-          <a:lstStyle/>
-          <a:p>
-            <a:r>
-              <a:rPr lang="en-US" dirty="0" smtClean="0"/>
-              <a:t>Machine Learning</a:t>
-            </a:r>
-            <a:endParaRPr lang="en-US" dirty="0"/>
-          </a:p>
-        </p:txBody>
-      </p:sp>
-      <p:sp>
-        <p:nvSpPr>
-          <p:cNvPr id="3" name="Content Placeholder 2"/>
-          <p:cNvSpPr>
-            <a:spLocks noGrp="1"/>
-          </p:cNvSpPr>
-          <p:nvPr>
-            <p:ph idx="1"/>
-          </p:nvPr>
-        </p:nvSpPr>
-        <p:spPr/>
-        <p:txBody>
-          <a:bodyPr>
-            <a:normAutofit fontScale="85000" lnSpcReduction="20000"/>
-          </a:bodyPr>
-          <a:lstStyle/>
-          <a:p>
-            <a:r>
-              <a:rPr lang="en-US" dirty="0" smtClean="0"/>
-              <a:t>Course Outcomes: At the end of this course, the student will be able to</a:t>
-            </a:r>
-          </a:p>
-          <a:p>
-            <a:r>
-              <a:rPr lang="en-US" dirty="0" smtClean="0"/>
-              <a:t>CO1: </a:t>
-            </a:r>
-            <a:r>
-              <a:rPr lang="en-US" dirty="0" smtClean="0"/>
-              <a:t>Identify the characteristics of machine learning.(Understand- L2) </a:t>
-            </a:r>
-          </a:p>
-          <a:p>
-            <a:r>
-              <a:rPr lang="en-US" dirty="0" smtClean="0"/>
-              <a:t>CO2: Understand the Model building and evaluation approaches.(Understand- L2)</a:t>
-            </a:r>
-          </a:p>
-          <a:p>
-            <a:r>
-              <a:rPr lang="en-US" dirty="0" smtClean="0"/>
-              <a:t> CO3: Apply regression algorithms for real-world Problems.(Apply- L3) </a:t>
-            </a:r>
-          </a:p>
-          <a:p>
-            <a:r>
-              <a:rPr lang="en-US" dirty="0" smtClean="0"/>
-              <a:t>CO4: Handle classification problems via supervised learning algorithms.(Apply- L3) </a:t>
-            </a:r>
-          </a:p>
-          <a:p>
-            <a:r>
-              <a:rPr lang="en-US" dirty="0" smtClean="0"/>
-              <a:t>CO5: Learn advanced learning techniques to deal with complex data.(Apply- L3)</a:t>
-            </a:r>
-            <a:endParaRPr lang="en-US" dirty="0"/>
-          </a:p>
-        </p:txBody>
-      </p:sp>
-    </p:spTree>
-  </p:cSld>
-  <p:clrMapOvr>
-    <a:masterClrMapping/>
-  </p:clrMapOvr>
-</p:sld>
-</file>
-
-<file path=ppt/slides/slide20.xml><?xml version="1.0" encoding="utf-8"?>
-<p:sld xmlns:a="http://schemas.openxmlformats.org/drawingml/2006/main" xmlns:r="http://schemas.openxmlformats.org/officeDocument/2006/relationships" xmlns:p="http://schemas.openxmlformats.org/presentationml/2006/main">
-  <p:cSld>
-    <p:spTree>
-      <p:nvGrpSpPr>
-        <p:cNvPr id="1" name=""/>
-        <p:cNvGrpSpPr/>
-        <p:nvPr/>
-      </p:nvGrpSpPr>
-      <p:grpSpPr>
-        <a:xfrm>
-          <a:off x="0" y="0"/>
-          <a:ext cx="0" cy="0"/>
-          <a:chOff x="0" y="0"/>
-          <a:chExt cx="0" cy="0"/>
-        </a:xfrm>
-      </p:grpSpPr>
-      <p:sp>
-        <p:nvSpPr>
-          <p:cNvPr id="2" name="Title 1"/>
-          <p:cNvSpPr>
-            <a:spLocks noGrp="1"/>
-          </p:cNvSpPr>
-          <p:nvPr>
-            <p:ph type="title"/>
-          </p:nvPr>
-        </p:nvSpPr>
-        <p:spPr/>
-        <p:txBody>
-          <a:bodyPr/>
-          <a:lstStyle/>
-          <a:p>
-            <a:endParaRPr lang="en-US"/>
-          </a:p>
-        </p:txBody>
-      </p:sp>
-      <p:sp>
-        <p:nvSpPr>
-          <p:cNvPr id="3" name="Content Placeholder 2"/>
-          <p:cNvSpPr>
-            <a:spLocks noGrp="1"/>
-          </p:cNvSpPr>
-          <p:nvPr>
-            <p:ph idx="1"/>
-          </p:nvPr>
-        </p:nvSpPr>
-        <p:spPr/>
-        <p:txBody>
-          <a:bodyPr>
-            <a:normAutofit/>
-          </a:bodyPr>
-          <a:lstStyle/>
-          <a:p>
-            <a:r>
-              <a:rPr lang="en-US" dirty="0" smtClean="0"/>
-              <a:t>The value of ‘k’ in k-fold cross-validation can be set to any number. However, there are two approaches which are extremely popular: </a:t>
-            </a:r>
-          </a:p>
-          <a:p>
-            <a:r>
-              <a:rPr lang="en-US" dirty="0" smtClean="0"/>
-              <a:t>1. 10-fold cross-validation (10-fold CV) 2. Leave-one-out cross-validation (LOOCV) 10-fold cross-validation is by far the most popular approach. </a:t>
-            </a:r>
-          </a:p>
-        </p:txBody>
-      </p:sp>
-    </p:spTree>
-  </p:cSld>
-  <p:clrMapOvr>
-    <a:masterClrMapping/>
-  </p:clrMapOvr>
-  <p:timing>
-    <p:tnLst>
-      <p:par>
-        <p:cTn id="1" dur="indefinite" restart="never" nodeType="tmRoot"/>
-      </p:par>
-    </p:tnLst>
-  </p:timing>
-</p:sld>
-</file>
-
 <file path=ppt/slides/slide21.xml><?xml version="1.0" encoding="utf-8"?>
 <p:sld xmlns:a="http://schemas.openxmlformats.org/drawingml/2006/main" xmlns:r="http://schemas.openxmlformats.org/officeDocument/2006/relationships" xmlns:p="http://schemas.openxmlformats.org/presentationml/2006/main">
   <p:cSld>
@@ -4818,22 +4910,12 @@
         </p:nvSpPr>
         <p:spPr/>
         <p:txBody>
-          <a:bodyPr>
-            <a:normAutofit lnSpcReduction="10000"/>
-          </a:bodyPr>
-          <a:lstStyle/>
-          <a:p>
-            <a:r>
-              <a:rPr lang="en-US" dirty="0" smtClean="0"/>
-              <a:t>In this approach, for each of the 10-folds, each comprising of approximately 10% of the data, one of the folds is used as the test data for validating model performance trained based on the remaining 9 folds (or 90% of the data). This is repeated 10 times, once for each of the 10 folds being used as the test data and the remaining folds as the training </a:t>
-            </a:r>
-            <a:r>
-              <a:rPr lang="en-US" dirty="0" err="1" smtClean="0"/>
-              <a:t>data.The</a:t>
-            </a:r>
-            <a:r>
-              <a:rPr lang="en-US" dirty="0" smtClean="0"/>
-              <a:t> average performance across all folds is being reported. F</a:t>
+          <a:bodyPr/>
+          <a:lstStyle/>
+          <a:p>
+            <a:r>
+              <a:rPr lang="en-US" dirty="0" smtClean="0"/>
+              <a:t>. In k-fold cross-validation, the data set is divided into k-completely distinct or non-overlapping random partitions called folds. Figure 3.2 depicts an overall approach for k-fold cross-validation.</a:t>
             </a:r>
             <a:endParaRPr lang="en-US" dirty="0"/>
           </a:p>
@@ -4855,6 +4937,171 @@
 </file>
 
 <file path=ppt/slides/slide22.xml><?xml version="1.0" encoding="utf-8"?>
+<p:sld xmlns:a="http://schemas.openxmlformats.org/drawingml/2006/main" xmlns:r="http://schemas.openxmlformats.org/officeDocument/2006/relationships" xmlns:p="http://schemas.openxmlformats.org/presentationml/2006/main">
+  <p:cSld>
+    <p:spTree>
+      <p:nvGrpSpPr>
+        <p:cNvPr id="1" name=""/>
+        <p:cNvGrpSpPr/>
+        <p:nvPr/>
+      </p:nvGrpSpPr>
+      <p:grpSpPr>
+        <a:xfrm>
+          <a:off x="0" y="0"/>
+          <a:ext cx="0" cy="0"/>
+          <a:chOff x="0" y="0"/>
+          <a:chExt cx="0" cy="0"/>
+        </a:xfrm>
+      </p:grpSpPr>
+      <p:sp>
+        <p:nvSpPr>
+          <p:cNvPr id="2" name="Title 1"/>
+          <p:cNvSpPr>
+            <a:spLocks noGrp="1"/>
+          </p:cNvSpPr>
+          <p:nvPr>
+            <p:ph type="title"/>
+          </p:nvPr>
+        </p:nvSpPr>
+        <p:spPr/>
+        <p:txBody>
+          <a:bodyPr/>
+          <a:lstStyle/>
+          <a:p>
+            <a:endParaRPr lang="en-US"/>
+          </a:p>
+        </p:txBody>
+      </p:sp>
+      <p:sp>
+        <p:nvSpPr>
+          <p:cNvPr id="3" name="Content Placeholder 2"/>
+          <p:cNvSpPr>
+            <a:spLocks noGrp="1"/>
+          </p:cNvSpPr>
+          <p:nvPr>
+            <p:ph idx="1"/>
+          </p:nvPr>
+        </p:nvSpPr>
+        <p:spPr/>
+        <p:txBody>
+          <a:bodyPr>
+            <a:normAutofit/>
+          </a:bodyPr>
+          <a:lstStyle/>
+          <a:p>
+            <a:r>
+              <a:rPr lang="en-US" dirty="0" smtClean="0"/>
+              <a:t>The value of ‘k’ in k-fold cross-validation can be set to any number. However, there are two approaches which are extremely popular: </a:t>
+            </a:r>
+          </a:p>
+          <a:p>
+            <a:r>
+              <a:rPr lang="en-US" dirty="0" smtClean="0"/>
+              <a:t>1. 10-fold cross-validation (10-fold CV) 2. Leave-one-out cross-validation (LOOCV) 10-fold cross-validation is by far the most popular approach. </a:t>
+            </a:r>
+          </a:p>
+        </p:txBody>
+      </p:sp>
+    </p:spTree>
+  </p:cSld>
+  <p:clrMapOvr>
+    <a:masterClrMapping/>
+  </p:clrMapOvr>
+  <p:timing>
+    <p:tnLst>
+      <p:par>
+        <p:cTn id="1" dur="indefinite" restart="never" nodeType="tmRoot"/>
+      </p:par>
+    </p:tnLst>
+  </p:timing>
+</p:sld>
+</file>
+
+<file path=ppt/slides/slide23.xml><?xml version="1.0" encoding="utf-8"?>
+<p:sld xmlns:a="http://schemas.openxmlformats.org/drawingml/2006/main" xmlns:r="http://schemas.openxmlformats.org/officeDocument/2006/relationships" xmlns:p="http://schemas.openxmlformats.org/presentationml/2006/main">
+  <p:cSld>
+    <p:spTree>
+      <p:nvGrpSpPr>
+        <p:cNvPr id="1" name=""/>
+        <p:cNvGrpSpPr/>
+        <p:nvPr/>
+      </p:nvGrpSpPr>
+      <p:grpSpPr>
+        <a:xfrm>
+          <a:off x="0" y="0"/>
+          <a:ext cx="0" cy="0"/>
+          <a:chOff x="0" y="0"/>
+          <a:chExt cx="0" cy="0"/>
+        </a:xfrm>
+      </p:grpSpPr>
+      <p:sp>
+        <p:nvSpPr>
+          <p:cNvPr id="2" name="Title 1"/>
+          <p:cNvSpPr>
+            <a:spLocks noGrp="1"/>
+          </p:cNvSpPr>
+          <p:nvPr>
+            <p:ph type="title"/>
+          </p:nvPr>
+        </p:nvSpPr>
+        <p:spPr/>
+        <p:txBody>
+          <a:bodyPr/>
+          <a:lstStyle/>
+          <a:p>
+            <a:endParaRPr lang="en-US"/>
+          </a:p>
+        </p:txBody>
+      </p:sp>
+      <p:sp>
+        <p:nvSpPr>
+          <p:cNvPr id="3" name="Content Placeholder 2"/>
+          <p:cNvSpPr>
+            <a:spLocks noGrp="1"/>
+          </p:cNvSpPr>
+          <p:nvPr>
+            <p:ph idx="1"/>
+          </p:nvPr>
+        </p:nvSpPr>
+        <p:spPr/>
+        <p:txBody>
+          <a:bodyPr>
+            <a:normAutofit lnSpcReduction="10000"/>
+          </a:bodyPr>
+          <a:lstStyle/>
+          <a:p>
+            <a:r>
+              <a:rPr lang="en-US" dirty="0" smtClean="0"/>
+              <a:t>In this approach, for each of the 10-folds, each comprising of approximately 10% of the data, one of the folds is used as the test data for validating model performance trained based on the remaining 9 folds (or 90% of the data). This is repeated 10 times, once for each of the 10 folds being used as the test data and the remaining folds as the training </a:t>
+            </a:r>
+            <a:r>
+              <a:rPr lang="en-US" dirty="0" err="1" smtClean="0"/>
+              <a:t>data.The</a:t>
+            </a:r>
+            <a:r>
+              <a:rPr lang="en-US" dirty="0" smtClean="0"/>
+              <a:t> average performance across all folds is being reported. F</a:t>
+            </a:r>
+            <a:endParaRPr lang="en-US" dirty="0"/>
+          </a:p>
+        </p:txBody>
+      </p:sp>
+    </p:spTree>
+  </p:cSld>
+  <p:clrMapOvr>
+    <a:masterClrMapping/>
+  </p:clrMapOvr>
+  <p:timing>
+    <p:tnLst>
+      <p:par>
+        <p:cTn id="1" dur="indefinite" restart="never" nodeType="tmRoot"/>
+      </p:par>
+    </p:tnLst>
+  </p:timing>
+</p:sld>
+</file>
+
+<file path=ppt/slides/slide24.xml><?xml version="1.0" encoding="utf-8"?>
 <p:sld xmlns:a="http://schemas.openxmlformats.org/drawingml/2006/main" xmlns:r="http://schemas.openxmlformats.org/officeDocument/2006/relationships" xmlns:p="http://schemas.openxmlformats.org/presentationml/2006/main">
   <p:cSld>
     <p:spTree>
@@ -4940,7 +5187,7 @@
 </p:sld>
 </file>
 
-<file path=ppt/slides/slide23.xml><?xml version="1.0" encoding="utf-8"?>
+<file path=ppt/slides/slide25.xml><?xml version="1.0" encoding="utf-8"?>
 <p:sld xmlns:a="http://schemas.openxmlformats.org/drawingml/2006/main" xmlns:r="http://schemas.openxmlformats.org/officeDocument/2006/relationships" xmlns:p="http://schemas.openxmlformats.org/presentationml/2006/main">
   <p:cSld>
     <p:spTree>
@@ -5026,7 +5273,7 @@
 </p:sld>
 </file>
 
-<file path=ppt/slides/slide24.xml><?xml version="1.0" encoding="utf-8"?>
+<file path=ppt/slides/slide26.xml><?xml version="1.0" encoding="utf-8"?>
 <p:sld xmlns:a="http://schemas.openxmlformats.org/drawingml/2006/main" xmlns:r="http://schemas.openxmlformats.org/officeDocument/2006/relationships" xmlns:p="http://schemas.openxmlformats.org/presentationml/2006/main">
   <p:cSld>
     <p:spTree>
@@ -5121,6 +5368,201 @@
       </p:par>
     </p:tnLst>
   </p:timing>
+</p:sld>
+</file>
+
+<file path=ppt/slides/slide27.xml><?xml version="1.0" encoding="utf-8"?>
+<p:sld xmlns:a="http://schemas.openxmlformats.org/drawingml/2006/main" xmlns:r="http://schemas.openxmlformats.org/officeDocument/2006/relationships" xmlns:p="http://schemas.openxmlformats.org/presentationml/2006/main">
+  <p:cSld>
+    <p:spTree>
+      <p:nvGrpSpPr>
+        <p:cNvPr id="1" name=""/>
+        <p:cNvGrpSpPr/>
+        <p:nvPr/>
+      </p:nvGrpSpPr>
+      <p:grpSpPr>
+        <a:xfrm>
+          <a:off x="0" y="0"/>
+          <a:ext cx="0" cy="0"/>
+          <a:chOff x="0" y="0"/>
+          <a:chExt cx="0" cy="0"/>
+        </a:xfrm>
+      </p:grpSpPr>
+      <p:sp>
+        <p:nvSpPr>
+          <p:cNvPr id="2" name="Title 1"/>
+          <p:cNvSpPr>
+            <a:spLocks noGrp="1"/>
+          </p:cNvSpPr>
+          <p:nvPr>
+            <p:ph type="title"/>
+          </p:nvPr>
+        </p:nvSpPr>
+        <p:spPr/>
+        <p:txBody>
+          <a:bodyPr>
+            <a:normAutofit fontScale="90000"/>
+          </a:bodyPr>
+          <a:lstStyle/>
+          <a:p>
+            <a:r>
+              <a:rPr lang="en-US" dirty="0" smtClean="0"/>
+              <a:t>What is Bootstrap Sampling?</a:t>
+            </a:r>
+            <a:br>
+              <a:rPr lang="en-US" dirty="0" smtClean="0"/>
+            </a:br>
+            <a:endParaRPr lang="en-US" dirty="0"/>
+          </a:p>
+        </p:txBody>
+      </p:sp>
+      <p:sp>
+        <p:nvSpPr>
+          <p:cNvPr id="3" name="Content Placeholder 2"/>
+          <p:cNvSpPr>
+            <a:spLocks noGrp="1"/>
+          </p:cNvSpPr>
+          <p:nvPr>
+            <p:ph idx="1"/>
+          </p:nvPr>
+        </p:nvSpPr>
+        <p:spPr/>
+        <p:txBody>
+          <a:bodyPr>
+            <a:normAutofit fontScale="55000" lnSpcReduction="20000"/>
+          </a:bodyPr>
+          <a:lstStyle/>
+          <a:p>
+            <a:r>
+              <a:rPr lang="en-US" dirty="0" err="1" smtClean="0"/>
+              <a:t>Resampling</a:t>
+            </a:r>
+            <a:r>
+              <a:rPr lang="en-US" dirty="0" smtClean="0"/>
+              <a:t> </a:t>
+            </a:r>
+            <a:r>
+              <a:rPr lang="en-US" dirty="0" smtClean="0"/>
+              <a:t>uses methods like the bootstrapping technique and permutation tests. With sampling, there are four main methods:</a:t>
+            </a:r>
+          </a:p>
+          <a:p>
+            <a:r>
+              <a:rPr lang="en-US" b="1" dirty="0" smtClean="0"/>
+              <a:t>Simple random sampling:</a:t>
+            </a:r>
+            <a:r>
+              <a:rPr lang="en-US" dirty="0" smtClean="0"/>
+              <a:t> Simple random sampling is when every person or data piece within a population or a group has an equal chance of selection. You might generate random numbers or have another random selection process.</a:t>
+            </a:r>
+          </a:p>
+          <a:p>
+            <a:r>
+              <a:rPr lang="en-US" b="1" dirty="0" smtClean="0"/>
+              <a:t>Systematic sampling:</a:t>
+            </a:r>
+            <a:r>
+              <a:rPr lang="en-US" dirty="0" smtClean="0"/>
+              <a:t> Systematic sampling is often still random, but people might receive numbers or values at the start. The person holding the experiment then might select intervals to divide the group, like every third person.</a:t>
+            </a:r>
+          </a:p>
+          <a:p>
+            <a:r>
+              <a:rPr lang="en-US" b="1" dirty="0" smtClean="0"/>
+              <a:t>Stratified sampling:</a:t>
+            </a:r>
+            <a:r>
+              <a:rPr lang="en-US" dirty="0" smtClean="0"/>
+              <a:t> Stratified sampling is when you divide the main population into several subgroups based on certain qualities. This can mean collecting samples from groups of different ages, cultures or other demographics.</a:t>
+            </a:r>
+          </a:p>
+          <a:p>
+            <a:r>
+              <a:rPr lang="en-US" b="1" dirty="0" smtClean="0"/>
+              <a:t>Cluster sampling:</a:t>
+            </a:r>
+            <a:r>
+              <a:rPr lang="en-US" dirty="0" smtClean="0"/>
+              <a:t> Cluster sampling is similar to stratified sampling, as you can divide populations into separate subgroups. Rather than coordinated groups with similar qualities, you select these groups randomly, often causing differences in results.</a:t>
+            </a:r>
+          </a:p>
+          <a:p>
+            <a:endParaRPr lang="en-US" dirty="0"/>
+          </a:p>
+        </p:txBody>
+      </p:sp>
+    </p:spTree>
+  </p:cSld>
+  <p:clrMapOvr>
+    <a:masterClrMapping/>
+  </p:clrMapOvr>
+</p:sld>
+</file>
+
+<file path=ppt/slides/slide28.xml><?xml version="1.0" encoding="utf-8"?>
+<p:sld xmlns:a="http://schemas.openxmlformats.org/drawingml/2006/main" xmlns:r="http://schemas.openxmlformats.org/officeDocument/2006/relationships" xmlns:p="http://schemas.openxmlformats.org/presentationml/2006/main">
+  <p:cSld>
+    <p:spTree>
+      <p:nvGrpSpPr>
+        <p:cNvPr id="1" name=""/>
+        <p:cNvGrpSpPr/>
+        <p:nvPr/>
+      </p:nvGrpSpPr>
+      <p:grpSpPr>
+        <a:xfrm>
+          <a:off x="0" y="0"/>
+          <a:ext cx="0" cy="0"/>
+          <a:chOff x="0" y="0"/>
+          <a:chExt cx="0" cy="0"/>
+        </a:xfrm>
+      </p:grpSpPr>
+      <p:sp>
+        <p:nvSpPr>
+          <p:cNvPr id="2" name="Title 1"/>
+          <p:cNvSpPr>
+            <a:spLocks noGrp="1"/>
+          </p:cNvSpPr>
+          <p:nvPr>
+            <p:ph type="title"/>
+          </p:nvPr>
+        </p:nvSpPr>
+        <p:spPr/>
+        <p:txBody>
+          <a:bodyPr/>
+          <a:lstStyle/>
+          <a:p>
+            <a:endParaRPr lang="en-US" dirty="0"/>
+          </a:p>
+        </p:txBody>
+      </p:sp>
+      <p:sp>
+        <p:nvSpPr>
+          <p:cNvPr id="3" name="Content Placeholder 2"/>
+          <p:cNvSpPr>
+            <a:spLocks noGrp="1"/>
+          </p:cNvSpPr>
+          <p:nvPr>
+            <p:ph idx="1"/>
+          </p:nvPr>
+        </p:nvSpPr>
+        <p:spPr/>
+        <p:txBody>
+          <a:bodyPr/>
+          <a:lstStyle/>
+          <a:p>
+            <a:r>
+              <a:rPr lang="en-US" dirty="0" smtClean="0"/>
+              <a:t>https://www.kdnuggets.com/2023/03/bootstrapping.html</a:t>
+            </a:r>
+            <a:endParaRPr lang="en-US" dirty="0"/>
+          </a:p>
+        </p:txBody>
+      </p:sp>
+    </p:spTree>
+  </p:cSld>
+  <p:clrMapOvr>
+    <a:masterClrMapping/>
+  </p:clrMapOvr>
 </p:sld>
 </file>
 
